--- a/동국시스템즈 기본양식.pptx
+++ b/동국시스템즈 기본양식.pptx
@@ -210,7 +210,7 @@
           <a:p>
             <a:fld id="{D2E4BD13-F898-49E6-A39C-3EB0AB04F83F}" type="datetimeFigureOut">
               <a:rPr lang="ko-KR" altLang="en-US" smtClean="0"/>
-              <a:t>01-08(Thu)</a:t>
+              <a:t>01-09(Fri)</a:t>
             </a:fld>
             <a:endParaRPr lang="ko-KR" altLang="en-US"/>
           </a:p>
@@ -375,7 +375,7 @@
           <a:p>
             <a:fld id="{C4F66D35-9081-4BC0-9692-D9FCDB08226D}" type="datetimeFigureOut">
               <a:rPr lang="ko-KR" altLang="en-US" smtClean="0"/>
-              <a:t>01-08(Thu)</a:t>
+              <a:t>01-09(Fri)</a:t>
             </a:fld>
             <a:endParaRPr lang="ko-KR" altLang="en-US"/>
           </a:p>
@@ -1021,7 +1021,7 @@
           <a:graphicData uri="http://schemas.openxmlformats.org/presentationml/2006/ole">
             <mc:AlternateContent xmlns:mc="http://schemas.openxmlformats.org/markup-compatibility/2006">
               <mc:Choice xmlns:v="urn:schemas-microsoft-com:vml" Requires="v">
-                <p:oleObj spid="_x0000_s177208" name="think-cell 슬라이드" r:id="rId5" imgW="395" imgH="394" progId="TCLayout.ActiveDocument.1">
+                <p:oleObj spid="_x0000_s177210" name="think-cell 슬라이드" r:id="rId5" imgW="395" imgH="394" progId="TCLayout.ActiveDocument.1">
                   <p:embed/>
                 </p:oleObj>
               </mc:Choice>
@@ -2269,7 +2269,7 @@
           <a:graphicData uri="http://schemas.openxmlformats.org/presentationml/2006/ole">
             <mc:AlternateContent xmlns:mc="http://schemas.openxmlformats.org/markup-compatibility/2006">
               <mc:Choice xmlns:v="urn:schemas-microsoft-com:vml" Requires="v">
-                <p:oleObj spid="_x0000_s183350" name="think-cell 슬라이드" r:id="rId5" imgW="395" imgH="394" progId="TCLayout.ActiveDocument.1">
+                <p:oleObj spid="_x0000_s183352" name="think-cell 슬라이드" r:id="rId5" imgW="395" imgH="394" progId="TCLayout.ActiveDocument.1">
                   <p:embed/>
                 </p:oleObj>
               </mc:Choice>
@@ -2828,7 +2828,7 @@
           <a:graphicData uri="http://schemas.openxmlformats.org/presentationml/2006/ole">
             <mc:AlternateContent xmlns:mc="http://schemas.openxmlformats.org/markup-compatibility/2006">
               <mc:Choice xmlns:v="urn:schemas-microsoft-com:vml" Requires="v">
-                <p:oleObj spid="_x0000_s185399" name="think-cell 슬라이드" r:id="rId5" imgW="395" imgH="394" progId="TCLayout.ActiveDocument.1">
+                <p:oleObj spid="_x0000_s185401" name="think-cell 슬라이드" r:id="rId5" imgW="395" imgH="394" progId="TCLayout.ActiveDocument.1">
                   <p:embed/>
                 </p:oleObj>
               </mc:Choice>
@@ -3013,11 +3013,7 @@
             <a:pPr lvl="1"/>
             <a:r>
               <a:rPr lang="ko-KR" altLang="en-US" dirty="0" smtClean="0"/>
-              <a:t>둘째 </a:t>
-            </a:r>
-            <a:r>
-              <a:rPr lang="ko-KR" altLang="en-US" dirty="0" smtClean="0"/>
-              <a:t>수준</a:t>
+              <a:t>둘째 수준</a:t>
             </a:r>
           </a:p>
           <a:p>
@@ -3457,7 +3453,7 @@
           <a:graphicData uri="http://schemas.openxmlformats.org/presentationml/2006/ole">
             <mc:AlternateContent xmlns:mc="http://schemas.openxmlformats.org/markup-compatibility/2006">
               <mc:Choice xmlns:v="urn:schemas-microsoft-com:vml" Requires="v">
-                <p:oleObj spid="_x0000_s205833" name="think-cell 슬라이드" r:id="rId5" imgW="395" imgH="394" progId="TCLayout.ActiveDocument.1">
+                <p:oleObj spid="_x0000_s205835" name="think-cell 슬라이드" r:id="rId5" imgW="395" imgH="394" progId="TCLayout.ActiveDocument.1">
                   <p:embed/>
                 </p:oleObj>
               </mc:Choice>
@@ -3882,36 +3878,6 @@
           </a:prstGeom>
         </p:spPr>
       </p:pic>
-      <p:sp>
-        <p:nvSpPr>
-          <p:cNvPr id="3" name="내용 개체 틀 2"/>
-          <p:cNvSpPr>
-            <a:spLocks noGrp="1"/>
-          </p:cNvSpPr>
-          <p:nvPr>
-            <p:ph sz="quarter" idx="20"/>
-          </p:nvPr>
-        </p:nvSpPr>
-        <p:spPr>
-          <a:xfrm>
-            <a:off x="270064" y="1514007"/>
-            <a:ext cx="9357889" cy="4916956"/>
-          </a:xfrm>
-        </p:spPr>
-        <p:txBody>
-          <a:bodyPr/>
-          <a:lstStyle>
-            <a:lvl1pPr marL="0" indent="0">
-              <a:buNone/>
-              <a:defRPr/>
-            </a:lvl1pPr>
-          </a:lstStyle>
-          <a:p>
-            <a:pPr lvl="0"/>
-            <a:endParaRPr lang="ko-KR" altLang="en-US" dirty="0"/>
-          </a:p>
-        </p:txBody>
-      </p:sp>
     </p:spTree>
     <p:extLst>
       <p:ext uri="{BB962C8B-B14F-4D97-AF65-F5344CB8AC3E}">
@@ -4011,7 +3977,7 @@
           <a:graphicData uri="http://schemas.openxmlformats.org/presentationml/2006/ole">
             <mc:AlternateContent xmlns:mc="http://schemas.openxmlformats.org/markup-compatibility/2006">
               <mc:Choice xmlns:v="urn:schemas-microsoft-com:vml" Requires="v">
-                <p:oleObj spid="_x0000_s204828" name="think-cell 슬라이드" r:id="rId5" imgW="395" imgH="394" progId="TCLayout.ActiveDocument.1">
+                <p:oleObj spid="_x0000_s204830" name="think-cell 슬라이드" r:id="rId5" imgW="395" imgH="394" progId="TCLayout.ActiveDocument.1">
                   <p:embed/>
                 </p:oleObj>
               </mc:Choice>
@@ -4553,7 +4519,7 @@
           <a:graphicData uri="http://schemas.openxmlformats.org/presentationml/2006/ole">
             <mc:AlternateContent xmlns:mc="http://schemas.openxmlformats.org/markup-compatibility/2006">
               <mc:Choice xmlns:v="urn:schemas-microsoft-com:vml" Requires="v">
-                <p:oleObj spid="_x0000_s176185" name="think-cell 슬라이드" r:id="rId9" imgW="381" imgH="381" progId="TCLayout.ActiveDocument.1">
+                <p:oleObj spid="_x0000_s176187" name="think-cell 슬라이드" r:id="rId9" imgW="381" imgH="381" progId="TCLayout.ActiveDocument.1">
                   <p:embed/>
                 </p:oleObj>
               </mc:Choice>
@@ -5122,7 +5088,7 @@
           <a:graphicData uri="http://schemas.openxmlformats.org/presentationml/2006/ole">
             <mc:AlternateContent xmlns:mc="http://schemas.openxmlformats.org/markup-compatibility/2006">
               <mc:Choice xmlns:v="urn:schemas-microsoft-com:vml" Requires="v">
-                <p:oleObj spid="_x0000_s190511" name="think-cell 슬라이드" r:id="rId5" imgW="381" imgH="381" progId="TCLayout.ActiveDocument.1">
+                <p:oleObj spid="_x0000_s190513" name="think-cell 슬라이드" r:id="rId5" imgW="381" imgH="381" progId="TCLayout.ActiveDocument.1">
                   <p:embed/>
                 </p:oleObj>
               </mc:Choice>
@@ -5262,7 +5228,7 @@
           <a:graphicData uri="http://schemas.openxmlformats.org/presentationml/2006/ole">
             <mc:AlternateContent xmlns:mc="http://schemas.openxmlformats.org/markup-compatibility/2006">
               <mc:Choice xmlns:v="urn:schemas-microsoft-com:vml" Requires="v">
-                <p:oleObj spid="_x0000_s192551" name="think-cell 슬라이드" r:id="rId5" imgW="381" imgH="381" progId="TCLayout.ActiveDocument.1">
+                <p:oleObj spid="_x0000_s192553" name="think-cell 슬라이드" r:id="rId5" imgW="381" imgH="381" progId="TCLayout.ActiveDocument.1">
                   <p:embed/>
                 </p:oleObj>
               </mc:Choice>
@@ -5815,10 +5781,15 @@
             <a:spLocks noGrp="1"/>
           </p:cNvSpPr>
           <p:nvPr>
-            <p:ph sz="quarter" idx="20"/>
-          </p:nvPr>
-        </p:nvSpPr>
-        <p:spPr/>
+            <p:ph sz="quarter" idx="4294967295"/>
+          </p:nvPr>
+        </p:nvSpPr>
+        <p:spPr>
+          <a:xfrm>
+            <a:off x="270064" y="1514007"/>
+            <a:ext cx="9357889" cy="4916956"/>
+          </a:xfrm>
+        </p:spPr>
         <p:txBody>
           <a:bodyPr/>
           <a:lstStyle/>
